--- a/teaching/zhibin/2/第二课_幻灯片.pptx
+++ b/teaching/zhibin/2/第二课_幻灯片.pptx
@@ -5,20 +5,22 @@
     <p:sldMasterId id="2147483648" r:id="rId1"/>
   </p:sldMasterIdLst>
   <p:notesMasterIdLst>
-    <p:notesMasterId r:id="rId13"/>
+    <p:notesMasterId r:id="rId15"/>
   </p:notesMasterIdLst>
   <p:sldIdLst>
     <p:sldId id="256" r:id="rId2"/>
     <p:sldId id="257" r:id="rId3"/>
-    <p:sldId id="258" r:id="rId4"/>
-    <p:sldId id="259" r:id="rId5"/>
+    <p:sldId id="267" r:id="rId4"/>
+    <p:sldId id="258" r:id="rId5"/>
     <p:sldId id="260" r:id="rId6"/>
     <p:sldId id="261" r:id="rId7"/>
     <p:sldId id="262" r:id="rId8"/>
     <p:sldId id="263" r:id="rId9"/>
     <p:sldId id="264" r:id="rId10"/>
     <p:sldId id="265" r:id="rId11"/>
-    <p:sldId id="266" r:id="rId12"/>
+    <p:sldId id="268" r:id="rId12"/>
+    <p:sldId id="269" r:id="rId13"/>
+    <p:sldId id="266" r:id="rId14"/>
   </p:sldIdLst>
   <p:sldSz cx="12192000" cy="6858000"/>
   <p:notesSz cx="6858000" cy="9144000"/>
@@ -207,7 +209,7 @@
           <a:p>
             <a:fld id="{F2180023-2820-4B47-8EDA-792F9EB64C1C}" type="datetimeFigureOut">
               <a:rPr lang="en-US" smtClean="0"/>
-              <a:t>12/9/17</a:t>
+              <a:t>12/17/17</a:t>
             </a:fld>
             <a:endParaRPr lang="en-US"/>
           </a:p>
@@ -519,7 +521,68 @@
           <a:bodyPr/>
           <a:lstStyle/>
           <a:p>
-            <a:endParaRPr lang="en-US" dirty="0"/>
+            <a:pPr marL="0" marR="0" lvl="0" indent="0" algn="l" defTabSz="914400" rtl="0" eaLnBrk="1" fontAlgn="auto" latinLnBrk="0" hangingPunct="1">
+              <a:lnSpc>
+                <a:spcPct val="100000"/>
+              </a:lnSpc>
+              <a:spcBef>
+                <a:spcPts val="0"/>
+              </a:spcBef>
+              <a:spcAft>
+                <a:spcPts val="0"/>
+              </a:spcAft>
+              <a:buClrTx/>
+              <a:buSzTx/>
+              <a:buFontTx/>
+              <a:buNone/>
+              <a:tabLst/>
+              <a:defRPr/>
+            </a:pPr>
+            <a:r>
+              <a:rPr lang="zh-CN" altLang="en-US" sz="1200" u="sng" kern="1200" dirty="0" smtClean="0">
+                <a:solidFill>
+                  <a:schemeClr val="tx1"/>
+                </a:solidFill>
+                <a:effectLst/>
+                <a:latin typeface="+mn-lt"/>
+                <a:ea typeface="+mn-ea"/>
+                <a:cs typeface="+mn-cs"/>
+              </a:rPr>
+              <a:t>老师演示</a:t>
+            </a:r>
+            <a:r>
+              <a:rPr lang="en-US" sz="1200" u="sng" kern="1200" dirty="0" smtClean="0">
+                <a:solidFill>
+                  <a:schemeClr val="tx1"/>
+                </a:solidFill>
+                <a:effectLst/>
+                <a:latin typeface="+mn-lt"/>
+                <a:ea typeface="+mn-ea"/>
+                <a:cs typeface="+mn-cs"/>
+              </a:rPr>
+              <a:t>alt</a:t>
+            </a:r>
+            <a:r>
+              <a:rPr lang="zh-CN" altLang="en-US" sz="1200" u="sng" kern="1200" dirty="0" smtClean="0">
+                <a:solidFill>
+                  <a:schemeClr val="tx1"/>
+                </a:solidFill>
+                <a:effectLst/>
+                <a:latin typeface="+mn-lt"/>
+                <a:ea typeface="+mn-ea"/>
+                <a:cs typeface="+mn-cs"/>
+              </a:rPr>
+              <a:t>的出现，以及换图片链接</a:t>
+            </a:r>
+            <a:endParaRPr lang="en-GB" sz="1200" kern="1200" dirty="0" smtClean="0">
+              <a:solidFill>
+                <a:schemeClr val="tx1"/>
+              </a:solidFill>
+              <a:effectLst/>
+              <a:latin typeface="+mn-lt"/>
+              <a:ea typeface="+mn-ea"/>
+              <a:cs typeface="+mn-cs"/>
+            </a:endParaRPr>
           </a:p>
         </p:txBody>
       </p:sp>
@@ -540,7 +603,7 @@
           <a:p>
             <a:fld id="{842C3C39-DAF6-6B4D-B840-105E8B7A5956}" type="slidenum">
               <a:rPr lang="en-US" smtClean="0"/>
-              <a:t>4</a:t>
+              <a:t>8</a:t>
             </a:fld>
             <a:endParaRPr lang="en-US"/>
           </a:p>
@@ -549,7 +612,7 @@
     </p:spTree>
     <p:extLst>
       <p:ext uri="{BB962C8B-B14F-4D97-AF65-F5344CB8AC3E}">
-        <p14:creationId xmlns:p14="http://schemas.microsoft.com/office/powerpoint/2010/main" val="1938278124"/>
+        <p14:creationId xmlns:p14="http://schemas.microsoft.com/office/powerpoint/2010/main" val="763343522"/>
       </p:ext>
     </p:extLst>
   </p:cSld>
@@ -630,31 +693,7 @@
                 <a:ea typeface="+mn-ea"/>
                 <a:cs typeface="+mn-cs"/>
               </a:rPr>
-              <a:t>老师演示</a:t>
-            </a:r>
-            <a:r>
-              <a:rPr lang="en-US" sz="1200" u="sng" kern="1200" dirty="0" smtClean="0">
-                <a:solidFill>
-                  <a:schemeClr val="tx1"/>
-                </a:solidFill>
-                <a:effectLst/>
-                <a:latin typeface="+mn-lt"/>
-                <a:ea typeface="+mn-ea"/>
-                <a:cs typeface="+mn-cs"/>
-              </a:rPr>
-              <a:t>alt</a:t>
-            </a:r>
-            <a:r>
-              <a:rPr lang="zh-CN" altLang="en-US" sz="1200" u="sng" kern="1200" dirty="0" smtClean="0">
-                <a:solidFill>
-                  <a:schemeClr val="tx1"/>
-                </a:solidFill>
-                <a:effectLst/>
-                <a:latin typeface="+mn-lt"/>
-                <a:ea typeface="+mn-ea"/>
-                <a:cs typeface="+mn-cs"/>
-              </a:rPr>
-              <a:t>的出现，以及换图片链接</a:t>
+              <a:t>老师演示视频链接的插入</a:t>
             </a:r>
             <a:endParaRPr lang="en-GB" sz="1200" kern="1200" dirty="0" smtClean="0">
               <a:solidFill>
@@ -685,7 +724,7 @@
           <a:p>
             <a:fld id="{842C3C39-DAF6-6B4D-B840-105E8B7A5956}" type="slidenum">
               <a:rPr lang="en-US" smtClean="0"/>
-              <a:t>8</a:t>
+              <a:t>9</a:t>
             </a:fld>
             <a:endParaRPr lang="en-US"/>
           </a:p>
@@ -694,7 +733,7 @@
     </p:spTree>
     <p:extLst>
       <p:ext uri="{BB962C8B-B14F-4D97-AF65-F5344CB8AC3E}">
-        <p14:creationId xmlns:p14="http://schemas.microsoft.com/office/powerpoint/2010/main" val="763343522"/>
+        <p14:creationId xmlns:p14="http://schemas.microsoft.com/office/powerpoint/2010/main" val="375409314"/>
       </p:ext>
     </p:extLst>
   </p:cSld>
@@ -748,127 +787,6 @@
           <a:bodyPr/>
           <a:lstStyle/>
           <a:p>
-            <a:pPr marL="0" marR="0" lvl="0" indent="0" algn="l" defTabSz="914400" rtl="0" eaLnBrk="1" fontAlgn="auto" latinLnBrk="0" hangingPunct="1">
-              <a:lnSpc>
-                <a:spcPct val="100000"/>
-              </a:lnSpc>
-              <a:spcBef>
-                <a:spcPts val="0"/>
-              </a:spcBef>
-              <a:spcAft>
-                <a:spcPts val="0"/>
-              </a:spcAft>
-              <a:buClrTx/>
-              <a:buSzTx/>
-              <a:buFontTx/>
-              <a:buNone/>
-              <a:tabLst/>
-              <a:defRPr/>
-            </a:pPr>
-            <a:r>
-              <a:rPr lang="zh-CN" altLang="en-US" sz="1200" u="sng" kern="1200" dirty="0" smtClean="0">
-                <a:solidFill>
-                  <a:schemeClr val="tx1"/>
-                </a:solidFill>
-                <a:effectLst/>
-                <a:latin typeface="+mn-lt"/>
-                <a:ea typeface="+mn-ea"/>
-                <a:cs typeface="+mn-cs"/>
-              </a:rPr>
-              <a:t>老师演示视频链接的插入</a:t>
-            </a:r>
-            <a:endParaRPr lang="en-GB" sz="1200" kern="1200" dirty="0" smtClean="0">
-              <a:solidFill>
-                <a:schemeClr val="tx1"/>
-              </a:solidFill>
-              <a:effectLst/>
-              <a:latin typeface="+mn-lt"/>
-              <a:ea typeface="+mn-ea"/>
-              <a:cs typeface="+mn-cs"/>
-            </a:endParaRPr>
-          </a:p>
-        </p:txBody>
-      </p:sp>
-      <p:sp>
-        <p:nvSpPr>
-          <p:cNvPr id="4" name="Slide Number Placeholder 3"/>
-          <p:cNvSpPr>
-            <a:spLocks noGrp="1"/>
-          </p:cNvSpPr>
-          <p:nvPr>
-            <p:ph type="sldNum" sz="quarter" idx="10"/>
-          </p:nvPr>
-        </p:nvSpPr>
-        <p:spPr/>
-        <p:txBody>
-          <a:bodyPr/>
-          <a:lstStyle/>
-          <a:p>
-            <a:fld id="{842C3C39-DAF6-6B4D-B840-105E8B7A5956}" type="slidenum">
-              <a:rPr lang="en-US" smtClean="0"/>
-              <a:t>9</a:t>
-            </a:fld>
-            <a:endParaRPr lang="en-US"/>
-          </a:p>
-        </p:txBody>
-      </p:sp>
-    </p:spTree>
-    <p:extLst>
-      <p:ext uri="{BB962C8B-B14F-4D97-AF65-F5344CB8AC3E}">
-        <p14:creationId xmlns:p14="http://schemas.microsoft.com/office/powerpoint/2010/main" val="375409314"/>
-      </p:ext>
-    </p:extLst>
-  </p:cSld>
-  <p:clrMapOvr>
-    <a:masterClrMapping/>
-  </p:clrMapOvr>
-</p:notes>
-</file>
-
-<file path=ppt/notesSlides/notesSlide4.xml><?xml version="1.0" encoding="utf-8"?>
-<p:notes xmlns:a="http://schemas.openxmlformats.org/drawingml/2006/main" xmlns:r="http://schemas.openxmlformats.org/officeDocument/2006/relationships" xmlns:p="http://schemas.openxmlformats.org/presentationml/2006/main">
-  <p:cSld>
-    <p:spTree>
-      <p:nvGrpSpPr>
-        <p:cNvPr id="1" name=""/>
-        <p:cNvGrpSpPr/>
-        <p:nvPr/>
-      </p:nvGrpSpPr>
-      <p:grpSpPr>
-        <a:xfrm>
-          <a:off x="0" y="0"/>
-          <a:ext cx="0" cy="0"/>
-          <a:chOff x="0" y="0"/>
-          <a:chExt cx="0" cy="0"/>
-        </a:xfrm>
-      </p:grpSpPr>
-      <p:sp>
-        <p:nvSpPr>
-          <p:cNvPr id="2" name="Slide Image Placeholder 1"/>
-          <p:cNvSpPr>
-            <a:spLocks noGrp="1" noRot="1" noChangeAspect="1"/>
-          </p:cNvSpPr>
-          <p:nvPr>
-            <p:ph type="sldImg"/>
-          </p:nvPr>
-        </p:nvSpPr>
-        <p:spPr/>
-      </p:sp>
-      <p:sp>
-        <p:nvSpPr>
-          <p:cNvPr id="3" name="Notes Placeholder 2"/>
-          <p:cNvSpPr>
-            <a:spLocks noGrp="1"/>
-          </p:cNvSpPr>
-          <p:nvPr>
-            <p:ph type="body" idx="1"/>
-          </p:nvPr>
-        </p:nvSpPr>
-        <p:spPr/>
-        <p:txBody>
-          <a:bodyPr/>
-          <a:lstStyle/>
-          <a:p>
             <a:r>
               <a:rPr lang="en-GB" smtClean="0"/>
               <a:t>Family-name,</a:t>
@@ -902,7 +820,7 @@
           <a:p>
             <a:fld id="{842C3C39-DAF6-6B4D-B840-105E8B7A5956}" type="slidenum">
               <a:rPr lang="en-US" smtClean="0"/>
-              <a:t>11</a:t>
+              <a:t>13</a:t>
             </a:fld>
             <a:endParaRPr lang="en-US"/>
           </a:p>
@@ -1052,7 +970,7 @@
           <a:p>
             <a:fld id="{71AEDA6A-4E1F-7F4C-B569-65BFD8D1DAB8}" type="datetimeFigureOut">
               <a:rPr lang="en-US" smtClean="0"/>
-              <a:t>12/9/17</a:t>
+              <a:t>12/17/17</a:t>
             </a:fld>
             <a:endParaRPr lang="en-US"/>
           </a:p>
@@ -1222,7 +1140,7 @@
           <a:p>
             <a:fld id="{71AEDA6A-4E1F-7F4C-B569-65BFD8D1DAB8}" type="datetimeFigureOut">
               <a:rPr lang="en-US" smtClean="0"/>
-              <a:t>12/9/17</a:t>
+              <a:t>12/17/17</a:t>
             </a:fld>
             <a:endParaRPr lang="en-US"/>
           </a:p>
@@ -1402,7 +1320,7 @@
           <a:p>
             <a:fld id="{71AEDA6A-4E1F-7F4C-B569-65BFD8D1DAB8}" type="datetimeFigureOut">
               <a:rPr lang="en-US" smtClean="0"/>
-              <a:t>12/9/17</a:t>
+              <a:t>12/17/17</a:t>
             </a:fld>
             <a:endParaRPr lang="en-US"/>
           </a:p>
@@ -1572,7 +1490,7 @@
           <a:p>
             <a:fld id="{71AEDA6A-4E1F-7F4C-B569-65BFD8D1DAB8}" type="datetimeFigureOut">
               <a:rPr lang="en-US" smtClean="0"/>
-              <a:t>12/9/17</a:t>
+              <a:t>12/17/17</a:t>
             </a:fld>
             <a:endParaRPr lang="en-US"/>
           </a:p>
@@ -1818,7 +1736,7 @@
           <a:p>
             <a:fld id="{71AEDA6A-4E1F-7F4C-B569-65BFD8D1DAB8}" type="datetimeFigureOut">
               <a:rPr lang="en-US" smtClean="0"/>
-              <a:t>12/9/17</a:t>
+              <a:t>12/17/17</a:t>
             </a:fld>
             <a:endParaRPr lang="en-US"/>
           </a:p>
@@ -2050,7 +1968,7 @@
           <a:p>
             <a:fld id="{71AEDA6A-4E1F-7F4C-B569-65BFD8D1DAB8}" type="datetimeFigureOut">
               <a:rPr lang="en-US" smtClean="0"/>
-              <a:t>12/9/17</a:t>
+              <a:t>12/17/17</a:t>
             </a:fld>
             <a:endParaRPr lang="en-US"/>
           </a:p>
@@ -2417,7 +2335,7 @@
           <a:p>
             <a:fld id="{71AEDA6A-4E1F-7F4C-B569-65BFD8D1DAB8}" type="datetimeFigureOut">
               <a:rPr lang="en-US" smtClean="0"/>
-              <a:t>12/9/17</a:t>
+              <a:t>12/17/17</a:t>
             </a:fld>
             <a:endParaRPr lang="en-US"/>
           </a:p>
@@ -2535,7 +2453,7 @@
           <a:p>
             <a:fld id="{71AEDA6A-4E1F-7F4C-B569-65BFD8D1DAB8}" type="datetimeFigureOut">
               <a:rPr lang="en-US" smtClean="0"/>
-              <a:t>12/9/17</a:t>
+              <a:t>12/17/17</a:t>
             </a:fld>
             <a:endParaRPr lang="en-US"/>
           </a:p>
@@ -2630,7 +2548,7 @@
           <a:p>
             <a:fld id="{71AEDA6A-4E1F-7F4C-B569-65BFD8D1DAB8}" type="datetimeFigureOut">
               <a:rPr lang="en-US" smtClean="0"/>
-              <a:t>12/9/17</a:t>
+              <a:t>12/17/17</a:t>
             </a:fld>
             <a:endParaRPr lang="en-US"/>
           </a:p>
@@ -2907,7 +2825,7 @@
           <a:p>
             <a:fld id="{71AEDA6A-4E1F-7F4C-B569-65BFD8D1DAB8}" type="datetimeFigureOut">
               <a:rPr lang="en-US" smtClean="0"/>
-              <a:t>12/9/17</a:t>
+              <a:t>12/17/17</a:t>
             </a:fld>
             <a:endParaRPr lang="en-US"/>
           </a:p>
@@ -3160,7 +3078,7 @@
           <a:p>
             <a:fld id="{71AEDA6A-4E1F-7F4C-B569-65BFD8D1DAB8}" type="datetimeFigureOut">
               <a:rPr lang="en-US" smtClean="0"/>
-              <a:t>12/9/17</a:t>
+              <a:t>12/17/17</a:t>
             </a:fld>
             <a:endParaRPr lang="en-US"/>
           </a:p>
@@ -3373,7 +3291,7 @@
           <a:p>
             <a:fld id="{71AEDA6A-4E1F-7F4C-B569-65BFD8D1DAB8}" type="datetimeFigureOut">
               <a:rPr lang="en-US" smtClean="0"/>
-              <a:t>12/9/17</a:t>
+              <a:t>12/17/17</a:t>
             </a:fld>
             <a:endParaRPr lang="en-US"/>
           </a:p>
@@ -3978,6 +3896,428 @@
           <a:lstStyle/>
           <a:p>
             <a:r>
+              <a:rPr lang="en-US" altLang="zh-CN" dirty="0" smtClean="0"/>
+              <a:t>CSS</a:t>
+            </a:r>
+            <a:r>
+              <a:rPr lang="zh-CN" altLang="en-US" dirty="0"/>
+              <a:t>（</a:t>
+            </a:r>
+            <a:r>
+              <a:rPr lang="zh-CN" altLang="en-US" dirty="0" smtClean="0"/>
+              <a:t>层叠样式表）</a:t>
+            </a:r>
+            <a:endParaRPr lang="en-GB" dirty="0"/>
+          </a:p>
+        </p:txBody>
+      </p:sp>
+      <p:sp>
+        <p:nvSpPr>
+          <p:cNvPr id="3" name="Content Placeholder 2"/>
+          <p:cNvSpPr>
+            <a:spLocks noGrp="1"/>
+          </p:cNvSpPr>
+          <p:nvPr>
+            <p:ph idx="1"/>
+          </p:nvPr>
+        </p:nvSpPr>
+        <p:spPr/>
+        <p:txBody>
+          <a:bodyPr/>
+          <a:lstStyle/>
+          <a:p>
+            <a:r>
+              <a:rPr lang="zh-CN" altLang="en-US" dirty="0" smtClean="0"/>
+              <a:t>复习：</a:t>
+            </a:r>
+            <a:r>
+              <a:rPr lang="en-US" altLang="zh-CN" dirty="0" smtClean="0"/>
+              <a:t>CSS</a:t>
+            </a:r>
+            <a:r>
+              <a:rPr lang="zh-CN" altLang="en-US" dirty="0" smtClean="0"/>
+              <a:t>的作用是什么？</a:t>
+            </a:r>
+            <a:endParaRPr lang="en-US" altLang="zh-CN" dirty="0" smtClean="0"/>
+          </a:p>
+          <a:p>
+            <a:r>
+              <a:rPr lang="en-US" altLang="zh-CN" dirty="0" smtClean="0"/>
+              <a:t>CSS</a:t>
+            </a:r>
+            <a:r>
+              <a:rPr lang="zh-CN" altLang="en-US" dirty="0" smtClean="0"/>
+              <a:t> 的位置：三种情况</a:t>
+            </a:r>
+            <a:endParaRPr lang="en-US" altLang="zh-CN" dirty="0" smtClean="0"/>
+          </a:p>
+          <a:p>
+            <a:pPr lvl="1"/>
+            <a:r>
+              <a:rPr lang="zh-CN" altLang="en-US" dirty="0" smtClean="0"/>
+              <a:t>单独成为文件，在</a:t>
+            </a:r>
+            <a:r>
+              <a:rPr lang="en-US" altLang="zh-CN" dirty="0" smtClean="0"/>
+              <a:t>HTML</a:t>
+            </a:r>
+            <a:r>
+              <a:rPr lang="zh-CN" altLang="en-US" dirty="0" smtClean="0"/>
+              <a:t>中标明文件路径：多个</a:t>
+            </a:r>
+            <a:r>
+              <a:rPr lang="en-US" altLang="zh-CN" dirty="0" smtClean="0"/>
+              <a:t>HTML</a:t>
+            </a:r>
+            <a:r>
+              <a:rPr lang="zh-CN" altLang="en-US" dirty="0" smtClean="0"/>
+              <a:t>文件可以同时引用同一个</a:t>
+            </a:r>
+            <a:r>
+              <a:rPr lang="en-US" altLang="zh-CN" dirty="0" smtClean="0"/>
+              <a:t>CSS</a:t>
+            </a:r>
+            <a:r>
+              <a:rPr lang="zh-CN" altLang="en-US" dirty="0" smtClean="0"/>
+              <a:t>文件。</a:t>
+            </a:r>
+            <a:endParaRPr lang="en-US" altLang="zh-CN" dirty="0" smtClean="0"/>
+          </a:p>
+          <a:p>
+            <a:pPr lvl="1"/>
+            <a:r>
+              <a:rPr lang="zh-CN" altLang="en-US" dirty="0" smtClean="0"/>
+              <a:t>放到</a:t>
+            </a:r>
+            <a:r>
+              <a:rPr lang="en-US" altLang="zh-CN" dirty="0" smtClean="0"/>
+              <a:t>HTML</a:t>
+            </a:r>
+            <a:r>
+              <a:rPr lang="zh-CN" altLang="en-US" dirty="0" smtClean="0"/>
+              <a:t>文件中的</a:t>
+            </a:r>
+            <a:r>
+              <a:rPr lang="en-US" altLang="zh-CN" dirty="0" smtClean="0"/>
+              <a:t>&lt;style&gt;</a:t>
+            </a:r>
+            <a:r>
+              <a:rPr lang="zh-CN" altLang="en-US" dirty="0" smtClean="0"/>
+              <a:t>段落中：该</a:t>
+            </a:r>
+            <a:r>
+              <a:rPr lang="en-US" altLang="zh-CN" dirty="0" smtClean="0"/>
+              <a:t>HTML</a:t>
+            </a:r>
+            <a:r>
+              <a:rPr lang="zh-CN" altLang="en-US" dirty="0" smtClean="0"/>
+              <a:t>文件内所有的标签内容都会参照</a:t>
+            </a:r>
+            <a:r>
+              <a:rPr lang="en-US" altLang="zh-CN" dirty="0" smtClean="0"/>
+              <a:t>CSS</a:t>
+            </a:r>
+            <a:r>
+              <a:rPr lang="zh-CN" altLang="en-US" dirty="0" smtClean="0"/>
+              <a:t>段落。</a:t>
+            </a:r>
+            <a:endParaRPr lang="en-US" altLang="zh-CN" dirty="0" smtClean="0"/>
+          </a:p>
+          <a:p>
+            <a:pPr lvl="1"/>
+            <a:r>
+              <a:rPr lang="zh-CN" altLang="en-US" dirty="0" smtClean="0"/>
+              <a:t>放到</a:t>
+            </a:r>
+            <a:r>
+              <a:rPr lang="en-US" altLang="zh-CN" dirty="0" smtClean="0"/>
+              <a:t>HTML</a:t>
+            </a:r>
+            <a:r>
+              <a:rPr lang="zh-CN" altLang="en-US" dirty="0" smtClean="0"/>
+              <a:t>文件中某一个标签中：只有这个标签会使用。</a:t>
+            </a:r>
+            <a:endParaRPr lang="en-US" altLang="zh-CN" dirty="0" smtClean="0"/>
+          </a:p>
+          <a:p>
+            <a:pPr lvl="1"/>
+            <a:endParaRPr lang="en-US" altLang="zh-CN" dirty="0"/>
+          </a:p>
+          <a:p>
+            <a:pPr lvl="1"/>
+            <a:r>
+              <a:rPr lang="zh-CN" altLang="en-US" dirty="0" smtClean="0"/>
+              <a:t>我们的课程只用到第二种和第三种情况。</a:t>
+            </a:r>
+            <a:endParaRPr lang="en-US" altLang="zh-CN" dirty="0" smtClean="0"/>
+          </a:p>
+          <a:p>
+            <a:endParaRPr lang="en-GB" dirty="0"/>
+          </a:p>
+        </p:txBody>
+      </p:sp>
+    </p:spTree>
+    <p:extLst>
+      <p:ext uri="{BB962C8B-B14F-4D97-AF65-F5344CB8AC3E}">
+        <p14:creationId xmlns:p14="http://schemas.microsoft.com/office/powerpoint/2010/main" val="1381254607"/>
+      </p:ext>
+    </p:extLst>
+  </p:cSld>
+  <p:clrMapOvr>
+    <a:masterClrMapping/>
+  </p:clrMapOvr>
+</p:sld>
+</file>
+
+<file path=ppt/slides/slide12.xml><?xml version="1.0" encoding="utf-8"?>
+<p:sld xmlns:a="http://schemas.openxmlformats.org/drawingml/2006/main" xmlns:r="http://schemas.openxmlformats.org/officeDocument/2006/relationships" xmlns:p="http://schemas.openxmlformats.org/presentationml/2006/main">
+  <p:cSld>
+    <p:spTree>
+      <p:nvGrpSpPr>
+        <p:cNvPr id="1" name=""/>
+        <p:cNvGrpSpPr/>
+        <p:nvPr/>
+      </p:nvGrpSpPr>
+      <p:grpSpPr>
+        <a:xfrm>
+          <a:off x="0" y="0"/>
+          <a:ext cx="0" cy="0"/>
+          <a:chOff x="0" y="0"/>
+          <a:chExt cx="0" cy="0"/>
+        </a:xfrm>
+      </p:grpSpPr>
+      <p:sp>
+        <p:nvSpPr>
+          <p:cNvPr id="2" name="Title 1"/>
+          <p:cNvSpPr>
+            <a:spLocks noGrp="1"/>
+          </p:cNvSpPr>
+          <p:nvPr>
+            <p:ph type="title"/>
+          </p:nvPr>
+        </p:nvSpPr>
+        <p:spPr/>
+        <p:txBody>
+          <a:bodyPr/>
+          <a:lstStyle/>
+          <a:p>
+            <a:r>
+              <a:rPr lang="en-US" altLang="zh-CN" dirty="0" smtClean="0"/>
+              <a:t>CSS</a:t>
+            </a:r>
+            <a:r>
+              <a:rPr lang="zh-CN" altLang="en-US" dirty="0" smtClean="0"/>
+              <a:t> （层叠样式表）</a:t>
+            </a:r>
+            <a:endParaRPr lang="en-GB" dirty="0"/>
+          </a:p>
+        </p:txBody>
+      </p:sp>
+      <p:sp>
+        <p:nvSpPr>
+          <p:cNvPr id="3" name="Content Placeholder 2"/>
+          <p:cNvSpPr>
+            <a:spLocks noGrp="1"/>
+          </p:cNvSpPr>
+          <p:nvPr>
+            <p:ph idx="1"/>
+          </p:nvPr>
+        </p:nvSpPr>
+        <p:spPr/>
+        <p:txBody>
+          <a:bodyPr/>
+          <a:lstStyle/>
+          <a:p>
+            <a:r>
+              <a:rPr lang="zh-CN" altLang="en-US" dirty="0" smtClean="0"/>
+              <a:t>尝试把</a:t>
+            </a:r>
+            <a:r>
+              <a:rPr lang="en-US" altLang="zh-CN" dirty="0" smtClean="0"/>
+              <a:t>CSS</a:t>
+            </a:r>
+            <a:r>
+              <a:rPr lang="zh-CN" altLang="en-US" dirty="0" smtClean="0"/>
+              <a:t>示例</a:t>
+            </a:r>
+            <a:r>
+              <a:rPr lang="en-US" altLang="zh-CN" dirty="0" smtClean="0"/>
+              <a:t>1</a:t>
+            </a:r>
+            <a:r>
+              <a:rPr lang="zh-CN" altLang="en-US" dirty="0" smtClean="0"/>
+              <a:t>从注释取消。看一下示例</a:t>
+            </a:r>
+            <a:r>
+              <a:rPr lang="en-US" altLang="zh-CN" dirty="0" smtClean="0"/>
+              <a:t>1</a:t>
+            </a:r>
+            <a:r>
+              <a:rPr lang="zh-CN" altLang="en-US" dirty="0" smtClean="0"/>
+              <a:t>的效果。</a:t>
+            </a:r>
+            <a:endParaRPr lang="en-US" altLang="zh-CN" dirty="0" smtClean="0"/>
+          </a:p>
+          <a:p>
+            <a:r>
+              <a:rPr lang="zh-CN" altLang="en-US" dirty="0" smtClean="0"/>
+              <a:t>有没有发现</a:t>
+            </a:r>
+            <a:r>
+              <a:rPr lang="en-US" altLang="zh-CN" dirty="0" smtClean="0"/>
+              <a:t>&lt;p&gt;</a:t>
+            </a:r>
+            <a:r>
+              <a:rPr lang="zh-CN" altLang="en-US" dirty="0" smtClean="0"/>
+              <a:t>标签的不同表现？</a:t>
+            </a:r>
+            <a:endParaRPr lang="en-US" altLang="zh-CN" dirty="0" smtClean="0"/>
+          </a:p>
+          <a:p>
+            <a:endParaRPr lang="en-US" dirty="0"/>
+          </a:p>
+          <a:p>
+            <a:r>
+              <a:rPr lang="zh-CN" altLang="en-US" dirty="0" smtClean="0"/>
+              <a:t>将</a:t>
+            </a:r>
+            <a:r>
+              <a:rPr lang="en-US" altLang="zh-CN" dirty="0" smtClean="0"/>
+              <a:t>CSS</a:t>
+            </a:r>
+            <a:r>
+              <a:rPr lang="zh-CN" altLang="en-US" dirty="0" smtClean="0"/>
+              <a:t>示例</a:t>
+            </a:r>
+            <a:r>
+              <a:rPr lang="en-US" altLang="zh-CN" dirty="0" smtClean="0"/>
+              <a:t>1</a:t>
+            </a:r>
+            <a:r>
+              <a:rPr lang="zh-CN" altLang="en-US" dirty="0" smtClean="0"/>
+              <a:t>部分变成注释，再把示例</a:t>
+            </a:r>
+            <a:r>
+              <a:rPr lang="en-US" altLang="zh-CN" dirty="0" smtClean="0"/>
+              <a:t>2</a:t>
+            </a:r>
+            <a:r>
+              <a:rPr lang="zh-CN" altLang="en-US" dirty="0" smtClean="0"/>
+              <a:t>取消注释。看一下示例</a:t>
+            </a:r>
+            <a:r>
+              <a:rPr lang="en-US" altLang="zh-CN" dirty="0" smtClean="0"/>
+              <a:t>2</a:t>
+            </a:r>
+            <a:r>
+              <a:rPr lang="zh-CN" altLang="en-US" dirty="0" smtClean="0"/>
+              <a:t>的效果。</a:t>
+            </a:r>
+            <a:endParaRPr lang="en-GB" dirty="0"/>
+          </a:p>
+        </p:txBody>
+      </p:sp>
+      <p:sp>
+        <p:nvSpPr>
+          <p:cNvPr id="4" name="TextBox 3"/>
+          <p:cNvSpPr txBox="1"/>
+          <p:nvPr/>
+        </p:nvSpPr>
+        <p:spPr>
+          <a:xfrm>
+            <a:off x="7050741" y="365125"/>
+            <a:ext cx="4303059" cy="400110"/>
+          </a:xfrm>
+          <a:prstGeom prst="rect">
+            <a:avLst/>
+          </a:prstGeom>
+        </p:spPr>
+        <p:style>
+          <a:lnRef idx="3">
+            <a:schemeClr val="lt1"/>
+          </a:lnRef>
+          <a:fillRef idx="1">
+            <a:schemeClr val="accent2"/>
+          </a:fillRef>
+          <a:effectRef idx="1">
+            <a:schemeClr val="accent2"/>
+          </a:effectRef>
+          <a:fontRef idx="minor">
+            <a:schemeClr val="lt1"/>
+          </a:fontRef>
+        </p:style>
+        <p:txBody>
+          <a:bodyPr wrap="square" rtlCol="0">
+            <a:spAutoFit/>
+          </a:bodyPr>
+          <a:lstStyle/>
+          <a:p>
+            <a:r>
+              <a:rPr lang="zh-CN" altLang="en-US" sz="2000" u="sng" dirty="0" smtClean="0"/>
+              <a:t>打开示例：第二课</a:t>
+            </a:r>
+            <a:r>
+              <a:rPr lang="en-GB" sz="2000" u="sng" dirty="0" smtClean="0"/>
+              <a:t>_</a:t>
+            </a:r>
+            <a:r>
+              <a:rPr lang="en-US" altLang="zh-CN" sz="2000" u="sng" dirty="0"/>
+              <a:t>1</a:t>
+            </a:r>
+            <a:r>
+              <a:rPr lang="en-GB" sz="2000" u="sng" dirty="0" smtClean="0"/>
+              <a:t>.html</a:t>
+            </a:r>
+            <a:endParaRPr lang="en-GB" sz="2000" dirty="0" smtClean="0"/>
+          </a:p>
+        </p:txBody>
+      </p:sp>
+    </p:spTree>
+    <p:extLst>
+      <p:ext uri="{BB962C8B-B14F-4D97-AF65-F5344CB8AC3E}">
+        <p14:creationId xmlns:p14="http://schemas.microsoft.com/office/powerpoint/2010/main" val="1431730612"/>
+      </p:ext>
+    </p:extLst>
+  </p:cSld>
+  <p:clrMapOvr>
+    <a:masterClrMapping/>
+  </p:clrMapOvr>
+</p:sld>
+</file>
+
+<file path=ppt/slides/slide13.xml><?xml version="1.0" encoding="utf-8"?>
+<p:sld xmlns:a="http://schemas.openxmlformats.org/drawingml/2006/main" xmlns:r="http://schemas.openxmlformats.org/officeDocument/2006/relationships" xmlns:p="http://schemas.openxmlformats.org/presentationml/2006/main">
+  <p:cSld>
+    <p:spTree>
+      <p:nvGrpSpPr>
+        <p:cNvPr id="1" name=""/>
+        <p:cNvGrpSpPr/>
+        <p:nvPr/>
+      </p:nvGrpSpPr>
+      <p:grpSpPr>
+        <a:xfrm>
+          <a:off x="0" y="0"/>
+          <a:ext cx="0" cy="0"/>
+          <a:chOff x="0" y="0"/>
+          <a:chExt cx="0" cy="0"/>
+        </a:xfrm>
+      </p:grpSpPr>
+      <p:sp>
+        <p:nvSpPr>
+          <p:cNvPr id="2" name="Title 1"/>
+          <p:cNvSpPr>
+            <a:spLocks noGrp="1"/>
+          </p:cNvSpPr>
+          <p:nvPr>
+            <p:ph type="title"/>
+          </p:nvPr>
+        </p:nvSpPr>
+        <p:spPr/>
+        <p:txBody>
+          <a:bodyPr/>
+          <a:lstStyle/>
+          <a:p>
+            <a:r>
               <a:rPr lang="en-US" dirty="0" smtClean="0"/>
               <a:t>id, class</a:t>
             </a:r>
@@ -4215,11 +4555,7 @@
             </a:r>
             <a:r>
               <a:rPr lang="en-GB" dirty="0" smtClean="0"/>
-              <a:t>&lt;p</a:t>
-            </a:r>
-            <a:r>
-              <a:rPr lang="en-GB" dirty="0" smtClean="0"/>
-              <a:t>&gt;</a:t>
+              <a:t>&lt;p&gt;</a:t>
             </a:r>
           </a:p>
           <a:p>
@@ -4323,123 +4659,190 @@
           <a:lstStyle/>
           <a:p>
             <a:r>
-              <a:rPr lang="en-US" dirty="0" smtClean="0"/>
+              <a:rPr lang="zh-CN" altLang="en-US" dirty="0" smtClean="0"/>
+              <a:t>开始设计网页</a:t>
+            </a:r>
+            <a:endParaRPr lang="en-GB" dirty="0"/>
+          </a:p>
+        </p:txBody>
+      </p:sp>
+      <p:sp>
+        <p:nvSpPr>
+          <p:cNvPr id="3" name="Content Placeholder 2"/>
+          <p:cNvSpPr>
+            <a:spLocks noGrp="1"/>
+          </p:cNvSpPr>
+          <p:nvPr>
+            <p:ph idx="1"/>
+          </p:nvPr>
+        </p:nvSpPr>
+        <p:spPr/>
+        <p:txBody>
+          <a:bodyPr>
+            <a:normAutofit lnSpcReduction="10000"/>
+          </a:bodyPr>
+          <a:lstStyle/>
+          <a:p>
+            <a:r>
+              <a:rPr lang="zh-CN" altLang="en-US" dirty="0" smtClean="0"/>
+              <a:t>使用</a:t>
+            </a:r>
+            <a:r>
+              <a:rPr lang="zh-CN" altLang="en-US" b="1" dirty="0" smtClean="0"/>
+              <a:t>文本编辑器</a:t>
+            </a:r>
+            <a:r>
+              <a:rPr lang="zh-CN" altLang="en-US" dirty="0" smtClean="0"/>
+              <a:t>创建或者打开一个</a:t>
+            </a:r>
+            <a:r>
+              <a:rPr lang="en-US" altLang="zh-CN" dirty="0" smtClean="0"/>
               <a:t>HTML</a:t>
             </a:r>
             <a:r>
               <a:rPr lang="zh-CN" altLang="en-US" dirty="0" smtClean="0"/>
-              <a:t>标签</a:t>
-            </a:r>
+              <a:t>文件。</a:t>
+            </a:r>
+            <a:endParaRPr lang="en-US" altLang="zh-CN" dirty="0" smtClean="0"/>
+          </a:p>
+          <a:p>
+            <a:pPr lvl="1"/>
+            <a:r>
+              <a:rPr lang="zh-CN" altLang="en-US" dirty="0" smtClean="0"/>
+              <a:t>常用的文本编辑器有</a:t>
+            </a:r>
+            <a:r>
+              <a:rPr lang="en-US" altLang="zh-CN" dirty="0" smtClean="0"/>
+              <a:t>Sublime</a:t>
+            </a:r>
+            <a:r>
+              <a:rPr lang="zh-CN" altLang="en-US" dirty="0" smtClean="0"/>
+              <a:t>，</a:t>
+            </a:r>
+            <a:r>
+              <a:rPr lang="en-US" altLang="zh-CN" dirty="0" err="1" smtClean="0"/>
+              <a:t>NotePad</a:t>
+            </a:r>
+            <a:r>
+              <a:rPr lang="en-US" altLang="zh-CN" dirty="0" smtClean="0"/>
+              <a:t>++</a:t>
+            </a:r>
+            <a:r>
+              <a:rPr lang="zh-CN" altLang="en-US" dirty="0" smtClean="0"/>
+              <a:t>， </a:t>
+            </a:r>
+            <a:r>
+              <a:rPr lang="en-US" altLang="zh-CN" dirty="0" smtClean="0"/>
+              <a:t>Atom</a:t>
+            </a:r>
+          </a:p>
+          <a:p>
+            <a:pPr lvl="1"/>
+            <a:r>
+              <a:rPr lang="zh-CN" altLang="en-US" dirty="0" smtClean="0"/>
+              <a:t>我们的电脑里安装了</a:t>
+            </a:r>
+            <a:r>
+              <a:rPr lang="en-US" altLang="zh-CN" dirty="0" err="1" smtClean="0"/>
+              <a:t>NotePad</a:t>
+            </a:r>
+            <a:r>
+              <a:rPr lang="en-US" altLang="zh-CN" dirty="0" smtClean="0"/>
+              <a:t>++</a:t>
+            </a:r>
+          </a:p>
+          <a:p>
+            <a:pPr lvl="1"/>
+            <a:r>
+              <a:rPr lang="zh-CN" altLang="en-US" dirty="0" smtClean="0"/>
+              <a:t>这些编辑器在编程中十分有用，大家尝试打开一份示例文件探索一下</a:t>
+            </a:r>
+            <a:endParaRPr lang="en-US" altLang="zh-CN" dirty="0" smtClean="0"/>
+          </a:p>
+          <a:p>
+            <a:pPr lvl="1"/>
             <a:endParaRPr lang="en-US" dirty="0"/>
           </a:p>
-        </p:txBody>
-      </p:sp>
-      <p:sp>
-        <p:nvSpPr>
-          <p:cNvPr id="3" name="Content Placeholder 2"/>
-          <p:cNvSpPr>
-            <a:spLocks noGrp="1"/>
-          </p:cNvSpPr>
-          <p:nvPr>
-            <p:ph idx="1"/>
-          </p:nvPr>
-        </p:nvSpPr>
-        <p:spPr/>
-        <p:txBody>
-          <a:bodyPr/>
-          <a:lstStyle/>
-          <a:p>
-            <a:pPr lvl="0"/>
-            <a:r>
-              <a:rPr lang="zh-CN" altLang="en-US" dirty="0"/>
-              <a:t>形式：</a:t>
-            </a:r>
-            <a:r>
-              <a:rPr lang="en-GB" dirty="0"/>
-              <a:t>&lt;xxx&gt;&lt;/xxx</a:t>
-            </a:r>
-            <a:r>
-              <a:rPr lang="en-GB" dirty="0" smtClean="0"/>
-              <a:t>&gt;</a:t>
-            </a:r>
-          </a:p>
-          <a:p>
-            <a:pPr lvl="0"/>
+          <a:p>
+            <a:r>
+              <a:rPr lang="zh-CN" altLang="en-US" dirty="0" smtClean="0"/>
+              <a:t>使用</a:t>
+            </a:r>
+            <a:r>
+              <a:rPr lang="zh-CN" altLang="en-US" b="1" dirty="0" smtClean="0"/>
+              <a:t>浏览器</a:t>
+            </a:r>
+            <a:r>
+              <a:rPr lang="zh-CN" altLang="en-US" dirty="0" smtClean="0"/>
+              <a:t>打开同一个</a:t>
+            </a:r>
+            <a:r>
+              <a:rPr lang="en-US" altLang="zh-CN" dirty="0" smtClean="0"/>
+              <a:t>HTML</a:t>
+            </a:r>
+            <a:r>
+              <a:rPr lang="zh-CN" altLang="en-US" dirty="0" smtClean="0"/>
+              <a:t>文件</a:t>
+            </a:r>
             <a:endParaRPr lang="en-US" altLang="zh-CN" dirty="0" smtClean="0"/>
           </a:p>
           <a:p>
-            <a:pPr lvl="0"/>
-            <a:r>
-              <a:rPr lang="zh-CN" altLang="en-US" dirty="0" smtClean="0"/>
-              <a:t>尖括号</a:t>
+            <a:pPr lvl="1"/>
+            <a:r>
+              <a:rPr lang="zh-CN" altLang="en-US" dirty="0" smtClean="0"/>
+              <a:t>一般来讲，浏览器的选择因人而异</a:t>
             </a:r>
             <a:endParaRPr lang="en-US" altLang="zh-CN" dirty="0" smtClean="0"/>
           </a:p>
           <a:p>
-            <a:pPr lvl="0"/>
+            <a:pPr lvl="1"/>
+            <a:r>
+              <a:rPr lang="zh-CN" altLang="en-US" dirty="0" smtClean="0"/>
+              <a:t>在课上我们使用谷歌公司的</a:t>
+            </a:r>
+            <a:r>
+              <a:rPr lang="en-US" altLang="zh-CN" dirty="0" smtClean="0"/>
+              <a:t>Chrome</a:t>
+            </a:r>
+            <a:r>
+              <a:rPr lang="zh-CN" altLang="en-US" dirty="0" smtClean="0"/>
+              <a:t>浏览器</a:t>
+            </a:r>
+            <a:endParaRPr lang="en-US" altLang="zh-CN" dirty="0"/>
+          </a:p>
+          <a:p>
+            <a:pPr lvl="1"/>
+            <a:endParaRPr lang="en-GB" altLang="zh-CN" dirty="0" smtClean="0"/>
+          </a:p>
+          <a:p>
+            <a:r>
+              <a:rPr lang="zh-CN" altLang="en-US" dirty="0" smtClean="0"/>
+              <a:t>尝试一下</a:t>
+            </a:r>
+            <a:r>
+              <a:rPr lang="zh-CN" altLang="en-US" b="1" dirty="0" smtClean="0"/>
+              <a:t>分屏功能</a:t>
+            </a:r>
+            <a:r>
+              <a:rPr lang="zh-CN" altLang="en-US" dirty="0" smtClean="0"/>
+              <a:t>。屏幕的一半放浏览器，另一半放编辑器。</a:t>
+            </a:r>
             <a:endParaRPr lang="en-US" altLang="zh-CN" dirty="0" smtClean="0"/>
           </a:p>
           <a:p>
-            <a:pPr lvl="0"/>
-            <a:r>
-              <a:rPr lang="zh-CN" altLang="en-US" dirty="0" smtClean="0"/>
-              <a:t>通常</a:t>
-            </a:r>
-            <a:r>
-              <a:rPr lang="zh-CN" altLang="en-US" dirty="0"/>
-              <a:t>成对</a:t>
-            </a:r>
-            <a:r>
-              <a:rPr lang="zh-CN" altLang="en-US" dirty="0" smtClean="0"/>
-              <a:t>出现，个别标签只有一个</a:t>
-            </a:r>
-            <a:r>
-              <a:rPr lang="en-US" altLang="zh-CN" dirty="0"/>
-              <a:t>(</a:t>
-            </a:r>
-            <a:r>
-              <a:rPr lang="en-US" altLang="zh-CN" dirty="0" smtClean="0"/>
-              <a:t>self-closing</a:t>
-            </a:r>
-            <a:r>
-              <a:rPr lang="zh-CN" altLang="en-US" dirty="0" smtClean="0"/>
-              <a:t> </a:t>
-            </a:r>
-            <a:r>
-              <a:rPr lang="en-US" altLang="zh-CN" dirty="0" smtClean="0"/>
-              <a:t>tags)</a:t>
+            <a:pPr lvl="1"/>
+            <a:r>
+              <a:rPr lang="zh-CN" altLang="en-US" dirty="0" smtClean="0"/>
+              <a:t>在编辑器里保存修改之后，在浏览器里刷新就可以看到效果</a:t>
             </a:r>
             <a:endParaRPr lang="en-US" altLang="zh-CN" dirty="0" smtClean="0"/>
-          </a:p>
-          <a:p>
-            <a:pPr lvl="0"/>
-            <a:endParaRPr lang="en-GB" dirty="0"/>
-          </a:p>
-          <a:p>
-            <a:pPr lvl="0"/>
-            <a:r>
-              <a:rPr lang="zh-CN" altLang="en-US" dirty="0"/>
-              <a:t>作用：</a:t>
-            </a:r>
-            <a:r>
-              <a:rPr lang="en-GB" dirty="0"/>
-              <a:t>HTML</a:t>
-            </a:r>
-            <a:r>
-              <a:rPr lang="zh-CN" altLang="en-US" dirty="0"/>
-              <a:t>语言中最基本的单位</a:t>
-            </a:r>
-            <a:endParaRPr lang="en-GB" dirty="0"/>
-          </a:p>
-          <a:p>
-            <a:endParaRPr lang="en-US" dirty="0"/>
           </a:p>
         </p:txBody>
       </p:sp>
     </p:spTree>
     <p:extLst>
       <p:ext uri="{BB962C8B-B14F-4D97-AF65-F5344CB8AC3E}">
-        <p14:creationId xmlns:p14="http://schemas.microsoft.com/office/powerpoint/2010/main" val="656891715"/>
+        <p14:creationId xmlns:p14="http://schemas.microsoft.com/office/powerpoint/2010/main" val="1368659772"/>
       </p:ext>
     </p:extLst>
   </p:cSld>
@@ -4482,8 +4885,12 @@
           <a:lstStyle/>
           <a:p>
             <a:r>
-              <a:rPr lang="zh-CN" altLang="en-US" dirty="0" smtClean="0"/>
-              <a:t>开始编写网页</a:t>
+              <a:rPr lang="en-US" dirty="0" smtClean="0"/>
+              <a:t>HTML</a:t>
+            </a:r>
+            <a:r>
+              <a:rPr lang="zh-CN" altLang="en-US" dirty="0" smtClean="0"/>
+              <a:t>标签</a:t>
             </a:r>
             <a:endParaRPr lang="en-US" dirty="0"/>
           </a:p>
@@ -4504,38 +4911,86 @@
           <a:bodyPr/>
           <a:lstStyle/>
           <a:p>
-            <a:r>
-              <a:rPr lang="zh-CN" altLang="en-US" dirty="0" smtClean="0"/>
-              <a:t>左浏览器，右编辑器</a:t>
-            </a:r>
+            <a:pPr lvl="0"/>
+            <a:r>
+              <a:rPr lang="zh-CN" altLang="en-US" dirty="0"/>
+              <a:t>形式：</a:t>
+            </a:r>
+            <a:r>
+              <a:rPr lang="en-GB" dirty="0"/>
+              <a:t>&lt;xxx&gt;&lt;/xxx</a:t>
+            </a:r>
+            <a:r>
+              <a:rPr lang="en-GB" dirty="0" smtClean="0"/>
+              <a:t>&gt;</a:t>
+            </a:r>
+          </a:p>
+          <a:p>
+            <a:pPr lvl="0"/>
             <a:endParaRPr lang="en-US" altLang="zh-CN" dirty="0" smtClean="0"/>
           </a:p>
           <a:p>
+            <a:pPr lvl="0"/>
+            <a:r>
+              <a:rPr lang="zh-CN" altLang="en-US" dirty="0" smtClean="0"/>
+              <a:t>尖括号</a:t>
+            </a:r>
             <a:endParaRPr lang="en-US" altLang="zh-CN" dirty="0" smtClean="0"/>
           </a:p>
           <a:p>
+            <a:pPr lvl="0"/>
+            <a:endParaRPr lang="en-US" altLang="zh-CN" dirty="0" smtClean="0"/>
+          </a:p>
+          <a:p>
+            <a:pPr lvl="0"/>
+            <a:r>
+              <a:rPr lang="zh-CN" altLang="en-US" dirty="0" smtClean="0"/>
+              <a:t>通常</a:t>
+            </a:r>
             <a:r>
               <a:rPr lang="zh-CN" altLang="en-US" dirty="0"/>
-              <a:t>三步：编辑，保存，刷</a:t>
-            </a:r>
-            <a:r>
-              <a:rPr lang="zh-CN" altLang="en-US" dirty="0" smtClean="0"/>
-              <a:t>新</a:t>
-            </a:r>
-            <a:endParaRPr lang="en-US" altLang="zh-CN" dirty="0" smtClean="0"/>
-          </a:p>
-          <a:p>
-            <a:endParaRPr lang="en-US" dirty="0"/>
-          </a:p>
-          <a:p>
-            <a:r>
-              <a:rPr lang="zh-CN" altLang="en-US" dirty="0" smtClean="0"/>
-              <a:t>学会使用快捷键</a:t>
-            </a:r>
-            <a:endParaRPr lang="en-US" altLang="zh-CN" dirty="0"/>
-          </a:p>
-          <a:p>
-            <a:endParaRPr lang="en-US" altLang="zh-CN" u="sng" dirty="0" smtClean="0"/>
+              <a:t>成对</a:t>
+            </a:r>
+            <a:r>
+              <a:rPr lang="zh-CN" altLang="en-US" dirty="0" smtClean="0"/>
+              <a:t>出现，个别标签只有一个</a:t>
+            </a:r>
+            <a:r>
+              <a:rPr lang="en-US" altLang="zh-CN" dirty="0"/>
+              <a:t>(</a:t>
+            </a:r>
+            <a:r>
+              <a:rPr lang="en-US" altLang="zh-CN" dirty="0" smtClean="0"/>
+              <a:t>self-closing</a:t>
+            </a:r>
+            <a:r>
+              <a:rPr lang="zh-CN" altLang="en-US" dirty="0" smtClean="0"/>
+              <a:t> </a:t>
+            </a:r>
+            <a:r>
+              <a:rPr lang="en-US" altLang="zh-CN" dirty="0" smtClean="0"/>
+              <a:t>tags)</a:t>
+            </a:r>
+          </a:p>
+          <a:p>
+            <a:pPr lvl="0"/>
+            <a:endParaRPr lang="en-GB" dirty="0"/>
+          </a:p>
+          <a:p>
+            <a:pPr lvl="0"/>
+            <a:r>
+              <a:rPr lang="zh-CN" altLang="en-US" dirty="0"/>
+              <a:t>作用：</a:t>
+            </a:r>
+            <a:r>
+              <a:rPr lang="en-GB" dirty="0"/>
+              <a:t>HTML</a:t>
+            </a:r>
+            <a:r>
+              <a:rPr lang="zh-CN" altLang="en-US" dirty="0"/>
+              <a:t>语言中最基本的单位</a:t>
+            </a:r>
+            <a:endParaRPr lang="en-GB" dirty="0"/>
           </a:p>
           <a:p>
             <a:endParaRPr lang="en-US" dirty="0"/>
@@ -4545,7 +5000,7 @@
     </p:spTree>
     <p:extLst>
       <p:ext uri="{BB962C8B-B14F-4D97-AF65-F5344CB8AC3E}">
-        <p14:creationId xmlns:p14="http://schemas.microsoft.com/office/powerpoint/2010/main" val="1171900273"/>
+        <p14:creationId xmlns:p14="http://schemas.microsoft.com/office/powerpoint/2010/main" val="656891715"/>
       </p:ext>
     </p:extLst>
   </p:cSld>
